--- a/Examples/Data/Charts/ErrorBars_out.pptx
+++ b/Examples/Data/Charts/ErrorBars_out.pptx
@@ -1,6 +1,6 @@
 
 <file path=ppt/presentation.xml><?xml version="1.0" encoding="utf-8"?>
-<!--Generated by Aspose.Slides for .NET 19.6-->
+<!--Generated by Aspose.Slides for .NET 21.12-->
 <p:presentation xmlns:r="http://schemas.openxmlformats.org/officeDocument/2006/relationships" xmlns:a="http://schemas.openxmlformats.org/drawingml/2006/main" xmlns:p="http://schemas.openxmlformats.org/presentationml/2006/main" saveSubsetFonts="1">
   <p:sldMasterIdLst>
     <p:sldMasterId id="2147483648" r:id="rId1"/>
@@ -112,7 +112,7 @@
 </file>
 
 <file path=ppt/charts/chart1.xml><?xml version="1.0" encoding="utf-8"?>
-<c:chartSpace xmlns:a="http://schemas.openxmlformats.org/drawingml/2006/main" xmlns:r="http://schemas.openxmlformats.org/officeDocument/2006/relationships" xmlns:c="http://schemas.openxmlformats.org/drawingml/2006/chart">
+<c:chartSpace xmlns:a="http://schemas.openxmlformats.org/drawingml/2006/main" xmlns:r="http://schemas.openxmlformats.org/officeDocument/2006/relationships" xmlns:m="http://schemas.openxmlformats.org/officeDocument/2006/math" xmlns:w="http://schemas.openxmlformats.org/wordprocessingml/2006/main" xmlns:wp="http://schemas.openxmlformats.org/drawingml/2006/wordprocessingDrawing" xmlns:a14="http://schemas.microsoft.com/office/drawing/2010/main" xmlns:c="http://schemas.openxmlformats.org/drawingml/2006/chart">
   <c:date1904 val="0"/>
   <c:lang val="ru-RU"/>
   <c:roundedCorners val="0"/>
@@ -286,11 +286,11 @@
 </file>
 
 <file path=ppt/slideLayouts/slideLayout1.xml><?xml version="1.0" encoding="utf-8"?>
-<p:sldLayout xmlns:a="http://schemas.openxmlformats.org/drawingml/2006/main" xmlns:r="http://schemas.openxmlformats.org/officeDocument/2006/relationships" xmlns:p14="http://schemas.microsoft.com/office/powerpoint/2010/main" xmlns:a14="http://schemas.microsoft.com/office/drawing/2010/main" xmlns:p15="http://schemas.microsoft.com/office/powerpoint/2012/main" xmlns:p159="http://schemas.microsoft.com/office/powerpoint/2015/09/main" xmlns:p="http://schemas.openxmlformats.org/presentationml/2006/main" type="title" preserve="1">
+<p:sldLayout xmlns:a="http://schemas.openxmlformats.org/drawingml/2006/main" xmlns:r="http://schemas.openxmlformats.org/officeDocument/2006/relationships" xmlns:m="http://schemas.openxmlformats.org/officeDocument/2006/math" xmlns:w="http://schemas.openxmlformats.org/wordprocessingml/2006/main" xmlns:wp="http://schemas.openxmlformats.org/drawingml/2006/wordprocessingDrawing" xmlns:a14="http://schemas.microsoft.com/office/drawing/2010/main" xmlns:mc="http://schemas.openxmlformats.org/markup-compatibility/2006" xmlns:p14="http://schemas.microsoft.com/office/powerpoint/2010/main" xmlns:p15="http://schemas.microsoft.com/office/powerpoint/2012/main" xmlns:p159="http://schemas.microsoft.com/office/powerpoint/2015/09/main" xmlns:p="http://schemas.openxmlformats.org/presentationml/2006/main" type="title" preserve="1">
   <p:cSld name="Title Slide">
     <p:spTree>
       <p:nvGrpSpPr>
-        <p:cNvPr id="1" name=""/>
+        <p:cNvPr id="1" name="" title=""/>
         <p:cNvGrpSpPr/>
         <p:nvPr/>
       </p:nvGrpSpPr>
@@ -302,7 +302,7 @@
       </p:grpSpPr>
       <p:sp>
         <p:nvSpPr>
-          <p:cNvPr id="2" name="Title 1"/>
+          <p:cNvPr id="2" name="Title 1" title=""/>
           <p:cNvSpPr>
             <a:spLocks noGrp="1"/>
           </p:cNvSpPr>
@@ -325,7 +325,7 @@
       </p:sp>
       <p:sp>
         <p:nvSpPr>
-          <p:cNvPr id="3" name="Subtitle 2"/>
+          <p:cNvPr id="3" name="Subtitle 2" title=""/>
           <p:cNvSpPr>
             <a:spLocks noGrp="1"/>
           </p:cNvSpPr>
@@ -439,7 +439,7 @@
       </p:sp>
       <p:sp>
         <p:nvSpPr>
-          <p:cNvPr id="4" name="Date Placeholder 3"/>
+          <p:cNvPr id="4" name="Date Placeholder 3" title=""/>
           <p:cNvSpPr>
             <a:spLocks noGrp="1"/>
           </p:cNvSpPr>
@@ -452,7 +452,7 @@
           <a:bodyPr/>
           <a:lstStyle/>
           <a:p>
-            <a:fld id="{2E5C9D80-C3F2-481F-A108-200F1460B73F}" type="datetimeFigureOut">
+            <a:fld id="{540D7614-ADD3-47D3-BE2B-159C6A21E6E6}" type="datetimeFigureOut">
               <a:rPr lang="en-US" smtClean="0"/>
               <a:t>11/7/2009</a:t>
             </a:fld>
@@ -462,7 +462,7 @@
       </p:sp>
       <p:sp>
         <p:nvSpPr>
-          <p:cNvPr id="5" name="Footer Placeholder 4"/>
+          <p:cNvPr id="5" name="Footer Placeholder 4" title=""/>
           <p:cNvSpPr>
             <a:spLocks noGrp="1"/>
           </p:cNvSpPr>
@@ -481,7 +481,7 @@
       </p:sp>
       <p:sp>
         <p:nvSpPr>
-          <p:cNvPr id="6" name="Slide Number Placeholder 5"/>
+          <p:cNvPr id="6" name="Slide Number Placeholder 5" title=""/>
           <p:cNvSpPr>
             <a:spLocks noGrp="1"/>
           </p:cNvSpPr>
@@ -513,11 +513,11 @@
 </file>
 
 <file path=ppt/slideLayouts/slideLayout10.xml><?xml version="1.0" encoding="utf-8"?>
-<p:sldLayout xmlns:a="http://schemas.openxmlformats.org/drawingml/2006/main" xmlns:r="http://schemas.openxmlformats.org/officeDocument/2006/relationships" xmlns:p14="http://schemas.microsoft.com/office/powerpoint/2010/main" xmlns:a14="http://schemas.microsoft.com/office/drawing/2010/main" xmlns:p15="http://schemas.microsoft.com/office/powerpoint/2012/main" xmlns:p159="http://schemas.microsoft.com/office/powerpoint/2015/09/main" xmlns:p="http://schemas.openxmlformats.org/presentationml/2006/main" type="vertTx" preserve="1">
+<p:sldLayout xmlns:a="http://schemas.openxmlformats.org/drawingml/2006/main" xmlns:r="http://schemas.openxmlformats.org/officeDocument/2006/relationships" xmlns:m="http://schemas.openxmlformats.org/officeDocument/2006/math" xmlns:w="http://schemas.openxmlformats.org/wordprocessingml/2006/main" xmlns:wp="http://schemas.openxmlformats.org/drawingml/2006/wordprocessingDrawing" xmlns:a14="http://schemas.microsoft.com/office/drawing/2010/main" xmlns:mc="http://schemas.openxmlformats.org/markup-compatibility/2006" xmlns:p14="http://schemas.microsoft.com/office/powerpoint/2010/main" xmlns:p15="http://schemas.microsoft.com/office/powerpoint/2012/main" xmlns:p159="http://schemas.microsoft.com/office/powerpoint/2015/09/main" xmlns:p="http://schemas.openxmlformats.org/presentationml/2006/main" type="vertTx" preserve="1">
   <p:cSld name="Title and Vertical Text">
     <p:spTree>
       <p:nvGrpSpPr>
-        <p:cNvPr id="1" name=""/>
+        <p:cNvPr id="1" name="" title=""/>
         <p:cNvGrpSpPr/>
         <p:nvPr/>
       </p:nvGrpSpPr>
@@ -529,7 +529,7 @@
       </p:grpSpPr>
       <p:sp>
         <p:nvSpPr>
-          <p:cNvPr id="2" name="Title 1"/>
+          <p:cNvPr id="2" name="Title 1" title=""/>
           <p:cNvSpPr>
             <a:spLocks noGrp="1"/>
           </p:cNvSpPr>
@@ -552,7 +552,7 @@
       </p:sp>
       <p:sp>
         <p:nvSpPr>
-          <p:cNvPr id="3" name="Vertical Text Placeholder 2"/>
+          <p:cNvPr id="3" name="Vertical Text Placeholder 2" title=""/>
           <p:cNvSpPr>
             <a:spLocks noGrp="1"/>
           </p:cNvSpPr>
@@ -603,7 +603,7 @@
       </p:sp>
       <p:sp>
         <p:nvSpPr>
-          <p:cNvPr id="4" name="Date Placeholder 3"/>
+          <p:cNvPr id="4" name="Date Placeholder 3" title=""/>
           <p:cNvSpPr>
             <a:spLocks noGrp="1"/>
           </p:cNvSpPr>
@@ -616,7 +616,7 @@
           <a:bodyPr/>
           <a:lstStyle/>
           <a:p>
-            <a:fld id="{76213BBD-EDC5-407D-94E8-F412CB4F17DE}" type="datetimeFigureOut">
+            <a:fld id="{752F2BB9-BEB2-4C99-B761-C67174ADC2C7}" type="datetimeFigureOut">
               <a:rPr lang="en-US" smtClean="0"/>
               <a:t>11/7/2009</a:t>
             </a:fld>
@@ -626,7 +626,7 @@
       </p:sp>
       <p:sp>
         <p:nvSpPr>
-          <p:cNvPr id="5" name="Footer Placeholder 4"/>
+          <p:cNvPr id="5" name="Footer Placeholder 4" title=""/>
           <p:cNvSpPr>
             <a:spLocks noGrp="1"/>
           </p:cNvSpPr>
@@ -645,7 +645,7 @@
       </p:sp>
       <p:sp>
         <p:nvSpPr>
-          <p:cNvPr id="6" name="Slide Number Placeholder 5"/>
+          <p:cNvPr id="6" name="Slide Number Placeholder 5" title=""/>
           <p:cNvSpPr>
             <a:spLocks noGrp="1"/>
           </p:cNvSpPr>
@@ -677,11 +677,11 @@
 </file>
 
 <file path=ppt/slideLayouts/slideLayout11.xml><?xml version="1.0" encoding="utf-8"?>
-<p:sldLayout xmlns:a="http://schemas.openxmlformats.org/drawingml/2006/main" xmlns:r="http://schemas.openxmlformats.org/officeDocument/2006/relationships" xmlns:p14="http://schemas.microsoft.com/office/powerpoint/2010/main" xmlns:a14="http://schemas.microsoft.com/office/drawing/2010/main" xmlns:p15="http://schemas.microsoft.com/office/powerpoint/2012/main" xmlns:p159="http://schemas.microsoft.com/office/powerpoint/2015/09/main" xmlns:p="http://schemas.openxmlformats.org/presentationml/2006/main" type="vertTitleAndTx" preserve="1">
+<p:sldLayout xmlns:a="http://schemas.openxmlformats.org/drawingml/2006/main" xmlns:r="http://schemas.openxmlformats.org/officeDocument/2006/relationships" xmlns:m="http://schemas.openxmlformats.org/officeDocument/2006/math" xmlns:w="http://schemas.openxmlformats.org/wordprocessingml/2006/main" xmlns:wp="http://schemas.openxmlformats.org/drawingml/2006/wordprocessingDrawing" xmlns:a14="http://schemas.microsoft.com/office/drawing/2010/main" xmlns:mc="http://schemas.openxmlformats.org/markup-compatibility/2006" xmlns:p14="http://schemas.microsoft.com/office/powerpoint/2010/main" xmlns:p15="http://schemas.microsoft.com/office/powerpoint/2012/main" xmlns:p159="http://schemas.microsoft.com/office/powerpoint/2015/09/main" xmlns:p="http://schemas.openxmlformats.org/presentationml/2006/main" type="vertTitleAndTx" preserve="1">
   <p:cSld name="Vertical Title and Text">
     <p:spTree>
       <p:nvGrpSpPr>
-        <p:cNvPr id="1" name=""/>
+        <p:cNvPr id="1" name="" title=""/>
         <p:cNvGrpSpPr/>
         <p:nvPr/>
       </p:nvGrpSpPr>
@@ -693,7 +693,7 @@
       </p:grpSpPr>
       <p:sp>
         <p:nvSpPr>
-          <p:cNvPr id="2" name="Vertical Title 1"/>
+          <p:cNvPr id="2" name="Vertical Title 1" title=""/>
           <p:cNvSpPr>
             <a:spLocks noGrp="1"/>
           </p:cNvSpPr>
@@ -716,7 +716,7 @@
       </p:sp>
       <p:sp>
         <p:nvSpPr>
-          <p:cNvPr id="3" name="Vertical Text Placeholder 2"/>
+          <p:cNvPr id="3" name="Vertical Text Placeholder 2" title=""/>
           <p:cNvSpPr>
             <a:spLocks noGrp="1"/>
           </p:cNvSpPr>
@@ -767,7 +767,7 @@
       </p:sp>
       <p:sp>
         <p:nvSpPr>
-          <p:cNvPr id="4" name="Date Placeholder 3"/>
+          <p:cNvPr id="4" name="Date Placeholder 3" title=""/>
           <p:cNvSpPr>
             <a:spLocks noGrp="1"/>
           </p:cNvSpPr>
@@ -780,7 +780,7 @@
           <a:bodyPr/>
           <a:lstStyle/>
           <a:p>
-            <a:fld id="{691484F6-DA25-4DF0-981D-95757ED21224}" type="datetimeFigureOut">
+            <a:fld id="{9EECFE71-DB2A-4871-9072-96AB56916A7E}" type="datetimeFigureOut">
               <a:rPr lang="en-US" smtClean="0"/>
               <a:t>11/7/2009</a:t>
             </a:fld>
@@ -790,7 +790,7 @@
       </p:sp>
       <p:sp>
         <p:nvSpPr>
-          <p:cNvPr id="5" name="Footer Placeholder 4"/>
+          <p:cNvPr id="5" name="Footer Placeholder 4" title=""/>
           <p:cNvSpPr>
             <a:spLocks noGrp="1"/>
           </p:cNvSpPr>
@@ -809,7 +809,7 @@
       </p:sp>
       <p:sp>
         <p:nvSpPr>
-          <p:cNvPr id="6" name="Slide Number Placeholder 5"/>
+          <p:cNvPr id="6" name="Slide Number Placeholder 5" title=""/>
           <p:cNvSpPr>
             <a:spLocks noGrp="1"/>
           </p:cNvSpPr>
@@ -841,11 +841,11 @@
 </file>
 
 <file path=ppt/slideLayouts/slideLayout2.xml><?xml version="1.0" encoding="utf-8"?>
-<p:sldLayout xmlns:a="http://schemas.openxmlformats.org/drawingml/2006/main" xmlns:r="http://schemas.openxmlformats.org/officeDocument/2006/relationships" xmlns:p14="http://schemas.microsoft.com/office/powerpoint/2010/main" xmlns:a14="http://schemas.microsoft.com/office/drawing/2010/main" xmlns:p15="http://schemas.microsoft.com/office/powerpoint/2012/main" xmlns:p159="http://schemas.microsoft.com/office/powerpoint/2015/09/main" xmlns:p="http://schemas.openxmlformats.org/presentationml/2006/main" type="obj" preserve="1">
+<p:sldLayout xmlns:a="http://schemas.openxmlformats.org/drawingml/2006/main" xmlns:r="http://schemas.openxmlformats.org/officeDocument/2006/relationships" xmlns:m="http://schemas.openxmlformats.org/officeDocument/2006/math" xmlns:w="http://schemas.openxmlformats.org/wordprocessingml/2006/main" xmlns:wp="http://schemas.openxmlformats.org/drawingml/2006/wordprocessingDrawing" xmlns:a14="http://schemas.microsoft.com/office/drawing/2010/main" xmlns:mc="http://schemas.openxmlformats.org/markup-compatibility/2006" xmlns:p14="http://schemas.microsoft.com/office/powerpoint/2010/main" xmlns:p15="http://schemas.microsoft.com/office/powerpoint/2012/main" xmlns:p159="http://schemas.microsoft.com/office/powerpoint/2015/09/main" xmlns:p="http://schemas.openxmlformats.org/presentationml/2006/main" type="obj" preserve="1">
   <p:cSld name="Title and Content">
     <p:spTree>
       <p:nvGrpSpPr>
-        <p:cNvPr id="1" name=""/>
+        <p:cNvPr id="1" name="" title=""/>
         <p:cNvGrpSpPr/>
         <p:nvPr/>
       </p:nvGrpSpPr>
@@ -857,7 +857,7 @@
       </p:grpSpPr>
       <p:sp>
         <p:nvSpPr>
-          <p:cNvPr id="2" name="Title 1"/>
+          <p:cNvPr id="2" name="Title 1" title=""/>
           <p:cNvSpPr>
             <a:spLocks noGrp="1"/>
           </p:cNvSpPr>
@@ -880,7 +880,7 @@
       </p:sp>
       <p:sp>
         <p:nvSpPr>
-          <p:cNvPr id="3" name="Content Placeholder 2"/>
+          <p:cNvPr id="3" name="Content Placeholder 2" title=""/>
           <p:cNvSpPr>
             <a:spLocks noGrp="1"/>
           </p:cNvSpPr>
@@ -931,7 +931,7 @@
       </p:sp>
       <p:sp>
         <p:nvSpPr>
-          <p:cNvPr id="4" name="Date Placeholder 3"/>
+          <p:cNvPr id="4" name="Date Placeholder 3" title=""/>
           <p:cNvSpPr>
             <a:spLocks noGrp="1"/>
           </p:cNvSpPr>
@@ -944,7 +944,7 @@
           <a:bodyPr/>
           <a:lstStyle/>
           <a:p>
-            <a:fld id="{ADFEB5B8-DDDF-429E-A9C2-FED7CB721981}" type="datetimeFigureOut">
+            <a:fld id="{E4910DAB-E58E-4BC2-9D9F-066CB066A8CC}" type="datetimeFigureOut">
               <a:rPr lang="en-US" smtClean="0"/>
               <a:t>11/7/2009</a:t>
             </a:fld>
@@ -954,7 +954,7 @@
       </p:sp>
       <p:sp>
         <p:nvSpPr>
-          <p:cNvPr id="5" name="Footer Placeholder 4"/>
+          <p:cNvPr id="5" name="Footer Placeholder 4" title=""/>
           <p:cNvSpPr>
             <a:spLocks noGrp="1"/>
           </p:cNvSpPr>
@@ -973,7 +973,7 @@
       </p:sp>
       <p:sp>
         <p:nvSpPr>
-          <p:cNvPr id="6" name="Slide Number Placeholder 5"/>
+          <p:cNvPr id="6" name="Slide Number Placeholder 5" title=""/>
           <p:cNvSpPr>
             <a:spLocks noGrp="1"/>
           </p:cNvSpPr>
@@ -1005,11 +1005,11 @@
 </file>
 
 <file path=ppt/slideLayouts/slideLayout3.xml><?xml version="1.0" encoding="utf-8"?>
-<p:sldLayout xmlns:a="http://schemas.openxmlformats.org/drawingml/2006/main" xmlns:r="http://schemas.openxmlformats.org/officeDocument/2006/relationships" xmlns:p14="http://schemas.microsoft.com/office/powerpoint/2010/main" xmlns:a14="http://schemas.microsoft.com/office/drawing/2010/main" xmlns:p15="http://schemas.microsoft.com/office/powerpoint/2012/main" xmlns:p159="http://schemas.microsoft.com/office/powerpoint/2015/09/main" xmlns:p="http://schemas.openxmlformats.org/presentationml/2006/main" type="secHead" preserve="1">
+<p:sldLayout xmlns:a="http://schemas.openxmlformats.org/drawingml/2006/main" xmlns:r="http://schemas.openxmlformats.org/officeDocument/2006/relationships" xmlns:m="http://schemas.openxmlformats.org/officeDocument/2006/math" xmlns:w="http://schemas.openxmlformats.org/wordprocessingml/2006/main" xmlns:wp="http://schemas.openxmlformats.org/drawingml/2006/wordprocessingDrawing" xmlns:a14="http://schemas.microsoft.com/office/drawing/2010/main" xmlns:mc="http://schemas.openxmlformats.org/markup-compatibility/2006" xmlns:p14="http://schemas.microsoft.com/office/powerpoint/2010/main" xmlns:p15="http://schemas.microsoft.com/office/powerpoint/2012/main" xmlns:p159="http://schemas.microsoft.com/office/powerpoint/2015/09/main" xmlns:p="http://schemas.openxmlformats.org/presentationml/2006/main" type="secHead" preserve="1">
   <p:cSld name="Section Header">
     <p:spTree>
       <p:nvGrpSpPr>
-        <p:cNvPr id="1" name=""/>
+        <p:cNvPr id="1" name="" title=""/>
         <p:cNvGrpSpPr/>
         <p:nvPr/>
       </p:nvGrpSpPr>
@@ -1021,7 +1021,7 @@
       </p:grpSpPr>
       <p:sp>
         <p:nvSpPr>
-          <p:cNvPr id="2" name="Title 1"/>
+          <p:cNvPr id="2" name="Title 1" title=""/>
           <p:cNvSpPr>
             <a:spLocks noGrp="1"/>
           </p:cNvSpPr>
@@ -1048,7 +1048,7 @@
       </p:sp>
       <p:sp>
         <p:nvSpPr>
-          <p:cNvPr id="3" name="Text Placeholder 2"/>
+          <p:cNvPr id="3" name="Text Placeholder 2" title=""/>
           <p:cNvSpPr>
             <a:spLocks noGrp="1"/>
           </p:cNvSpPr>
@@ -1161,7 +1161,7 @@
       </p:sp>
       <p:sp>
         <p:nvSpPr>
-          <p:cNvPr id="4" name="Date Placeholder 3"/>
+          <p:cNvPr id="4" name="Date Placeholder 3" title=""/>
           <p:cNvSpPr>
             <a:spLocks noGrp="1"/>
           </p:cNvSpPr>
@@ -1174,7 +1174,7 @@
           <a:bodyPr/>
           <a:lstStyle/>
           <a:p>
-            <a:fld id="{C6A00BD8-E5C3-4D4C-9C43-1E7FE0B2AC79}" type="datetimeFigureOut">
+            <a:fld id="{76076D1E-86D6-4200-A165-D1875B2E979E}" type="datetimeFigureOut">
               <a:rPr lang="en-US" smtClean="0"/>
               <a:t>11/7/2009</a:t>
             </a:fld>
@@ -1184,7 +1184,7 @@
       </p:sp>
       <p:sp>
         <p:nvSpPr>
-          <p:cNvPr id="5" name="Footer Placeholder 4"/>
+          <p:cNvPr id="5" name="Footer Placeholder 4" title=""/>
           <p:cNvSpPr>
             <a:spLocks noGrp="1"/>
           </p:cNvSpPr>
@@ -1203,7 +1203,7 @@
       </p:sp>
       <p:sp>
         <p:nvSpPr>
-          <p:cNvPr id="6" name="Slide Number Placeholder 5"/>
+          <p:cNvPr id="6" name="Slide Number Placeholder 5" title=""/>
           <p:cNvSpPr>
             <a:spLocks noGrp="1"/>
           </p:cNvSpPr>
@@ -1235,11 +1235,11 @@
 </file>
 
 <file path=ppt/slideLayouts/slideLayout4.xml><?xml version="1.0" encoding="utf-8"?>
-<p:sldLayout xmlns:a="http://schemas.openxmlformats.org/drawingml/2006/main" xmlns:r="http://schemas.openxmlformats.org/officeDocument/2006/relationships" xmlns:p14="http://schemas.microsoft.com/office/powerpoint/2010/main" xmlns:a14="http://schemas.microsoft.com/office/drawing/2010/main" xmlns:p15="http://schemas.microsoft.com/office/powerpoint/2012/main" xmlns:p159="http://schemas.microsoft.com/office/powerpoint/2015/09/main" xmlns:p="http://schemas.openxmlformats.org/presentationml/2006/main" type="twoObj" preserve="1">
+<p:sldLayout xmlns:a="http://schemas.openxmlformats.org/drawingml/2006/main" xmlns:r="http://schemas.openxmlformats.org/officeDocument/2006/relationships" xmlns:m="http://schemas.openxmlformats.org/officeDocument/2006/math" xmlns:w="http://schemas.openxmlformats.org/wordprocessingml/2006/main" xmlns:wp="http://schemas.openxmlformats.org/drawingml/2006/wordprocessingDrawing" xmlns:a14="http://schemas.microsoft.com/office/drawing/2010/main" xmlns:mc="http://schemas.openxmlformats.org/markup-compatibility/2006" xmlns:p14="http://schemas.microsoft.com/office/powerpoint/2010/main" xmlns:p15="http://schemas.microsoft.com/office/powerpoint/2012/main" xmlns:p159="http://schemas.microsoft.com/office/powerpoint/2015/09/main" xmlns:p="http://schemas.openxmlformats.org/presentationml/2006/main" type="twoObj" preserve="1">
   <p:cSld name="Two Content">
     <p:spTree>
       <p:nvGrpSpPr>
-        <p:cNvPr id="1" name=""/>
+        <p:cNvPr id="1" name="" title=""/>
         <p:cNvGrpSpPr/>
         <p:nvPr/>
       </p:nvGrpSpPr>
@@ -1251,7 +1251,7 @@
       </p:grpSpPr>
       <p:sp>
         <p:nvSpPr>
-          <p:cNvPr id="2" name="Title 1"/>
+          <p:cNvPr id="2" name="Title 1" title=""/>
           <p:cNvSpPr>
             <a:spLocks noGrp="1"/>
           </p:cNvSpPr>
@@ -1274,7 +1274,7 @@
       </p:sp>
       <p:sp>
         <p:nvSpPr>
-          <p:cNvPr id="3" name="Content Placeholder 2"/>
+          <p:cNvPr id="3" name="Content Placeholder 2" title=""/>
           <p:cNvSpPr>
             <a:spLocks noGrp="1"/>
           </p:cNvSpPr>
@@ -1353,7 +1353,7 @@
       </p:sp>
       <p:sp>
         <p:nvSpPr>
-          <p:cNvPr id="4" name="Content Placeholder 3"/>
+          <p:cNvPr id="4" name="Content Placeholder 3" title=""/>
           <p:cNvSpPr>
             <a:spLocks noGrp="1"/>
           </p:cNvSpPr>
@@ -1432,7 +1432,7 @@
       </p:sp>
       <p:sp>
         <p:nvSpPr>
-          <p:cNvPr id="5" name="Date Placeholder 4"/>
+          <p:cNvPr id="5" name="Date Placeholder 4" title=""/>
           <p:cNvSpPr>
             <a:spLocks noGrp="1"/>
           </p:cNvSpPr>
@@ -1445,7 +1445,7 @@
           <a:bodyPr/>
           <a:lstStyle/>
           <a:p>
-            <a:fld id="{AD2614FE-FEE1-4738-9877-6CE59A2A9024}" type="datetimeFigureOut">
+            <a:fld id="{1A679F69-D65E-401E-9FE3-CC8AA3D891A0}" type="datetimeFigureOut">
               <a:rPr lang="en-US" smtClean="0"/>
               <a:t>11/7/2009</a:t>
             </a:fld>
@@ -1455,7 +1455,7 @@
       </p:sp>
       <p:sp>
         <p:nvSpPr>
-          <p:cNvPr id="6" name="Footer Placeholder 5"/>
+          <p:cNvPr id="6" name="Footer Placeholder 5" title=""/>
           <p:cNvSpPr>
             <a:spLocks noGrp="1"/>
           </p:cNvSpPr>
@@ -1474,7 +1474,7 @@
       </p:sp>
       <p:sp>
         <p:nvSpPr>
-          <p:cNvPr id="7" name="Slide Number Placeholder 6"/>
+          <p:cNvPr id="7" name="Slide Number Placeholder 6" title=""/>
           <p:cNvSpPr>
             <a:spLocks noGrp="1"/>
           </p:cNvSpPr>
@@ -1506,11 +1506,11 @@
 </file>
 
 <file path=ppt/slideLayouts/slideLayout5.xml><?xml version="1.0" encoding="utf-8"?>
-<p:sldLayout xmlns:a="http://schemas.openxmlformats.org/drawingml/2006/main" xmlns:r="http://schemas.openxmlformats.org/officeDocument/2006/relationships" xmlns:p14="http://schemas.microsoft.com/office/powerpoint/2010/main" xmlns:a14="http://schemas.microsoft.com/office/drawing/2010/main" xmlns:p15="http://schemas.microsoft.com/office/powerpoint/2012/main" xmlns:p159="http://schemas.microsoft.com/office/powerpoint/2015/09/main" xmlns:p="http://schemas.openxmlformats.org/presentationml/2006/main" type="twoTxTwoObj" preserve="1">
+<p:sldLayout xmlns:a="http://schemas.openxmlformats.org/drawingml/2006/main" xmlns:r="http://schemas.openxmlformats.org/officeDocument/2006/relationships" xmlns:m="http://schemas.openxmlformats.org/officeDocument/2006/math" xmlns:w="http://schemas.openxmlformats.org/wordprocessingml/2006/main" xmlns:wp="http://schemas.openxmlformats.org/drawingml/2006/wordprocessingDrawing" xmlns:a14="http://schemas.microsoft.com/office/drawing/2010/main" xmlns:mc="http://schemas.openxmlformats.org/markup-compatibility/2006" xmlns:p14="http://schemas.microsoft.com/office/powerpoint/2010/main" xmlns:p15="http://schemas.microsoft.com/office/powerpoint/2012/main" xmlns:p159="http://schemas.microsoft.com/office/powerpoint/2015/09/main" xmlns:p="http://schemas.openxmlformats.org/presentationml/2006/main" type="twoTxTwoObj" preserve="1">
   <p:cSld name="Comparison">
     <p:spTree>
       <p:nvGrpSpPr>
-        <p:cNvPr id="1" name=""/>
+        <p:cNvPr id="1" name="" title=""/>
         <p:cNvGrpSpPr/>
         <p:nvPr/>
       </p:nvGrpSpPr>
@@ -1522,7 +1522,7 @@
       </p:grpSpPr>
       <p:sp>
         <p:nvSpPr>
-          <p:cNvPr id="2" name="Title 1"/>
+          <p:cNvPr id="2" name="Title 1" title=""/>
           <p:cNvSpPr>
             <a:spLocks noGrp="1"/>
           </p:cNvSpPr>
@@ -1545,7 +1545,7 @@
       </p:sp>
       <p:sp>
         <p:nvSpPr>
-          <p:cNvPr id="3" name="Text Placeholder 2"/>
+          <p:cNvPr id="3" name="Text Placeholder 2" title=""/>
           <p:cNvSpPr>
             <a:spLocks noGrp="1"/>
           </p:cNvSpPr>
@@ -1604,7 +1604,7 @@
       </p:sp>
       <p:sp>
         <p:nvSpPr>
-          <p:cNvPr id="4" name="Content Placeholder 3"/>
+          <p:cNvPr id="4" name="Content Placeholder 3" title=""/>
           <p:cNvSpPr>
             <a:spLocks noGrp="1"/>
           </p:cNvSpPr>
@@ -1683,7 +1683,7 @@
       </p:sp>
       <p:sp>
         <p:nvSpPr>
-          <p:cNvPr id="5" name="Text Placeholder 4"/>
+          <p:cNvPr id="5" name="Text Placeholder 4" title=""/>
           <p:cNvSpPr>
             <a:spLocks noGrp="1"/>
           </p:cNvSpPr>
@@ -1742,7 +1742,7 @@
       </p:sp>
       <p:sp>
         <p:nvSpPr>
-          <p:cNvPr id="6" name="Content Placeholder 5"/>
+          <p:cNvPr id="6" name="Content Placeholder 5" title=""/>
           <p:cNvSpPr>
             <a:spLocks noGrp="1"/>
           </p:cNvSpPr>
@@ -1821,7 +1821,7 @@
       </p:sp>
       <p:sp>
         <p:nvSpPr>
-          <p:cNvPr id="7" name="Date Placeholder 6"/>
+          <p:cNvPr id="7" name="Date Placeholder 6" title=""/>
           <p:cNvSpPr>
             <a:spLocks noGrp="1"/>
           </p:cNvSpPr>
@@ -1834,7 +1834,7 @@
           <a:bodyPr/>
           <a:lstStyle/>
           <a:p>
-            <a:fld id="{6EDFCC53-D347-4EBD-8B45-858A90E6B00B}" type="datetimeFigureOut">
+            <a:fld id="{D75AE781-5987-444D-8CBF-8B89E49C6FBC}" type="datetimeFigureOut">
               <a:rPr lang="en-US" smtClean="0"/>
               <a:t>11/7/2009</a:t>
             </a:fld>
@@ -1844,7 +1844,7 @@
       </p:sp>
       <p:sp>
         <p:nvSpPr>
-          <p:cNvPr id="8" name="Footer Placeholder 7"/>
+          <p:cNvPr id="8" name="Footer Placeholder 7" title=""/>
           <p:cNvSpPr>
             <a:spLocks noGrp="1"/>
           </p:cNvSpPr>
@@ -1863,7 +1863,7 @@
       </p:sp>
       <p:sp>
         <p:nvSpPr>
-          <p:cNvPr id="9" name="Slide Number Placeholder 8"/>
+          <p:cNvPr id="9" name="Slide Number Placeholder 8" title=""/>
           <p:cNvSpPr>
             <a:spLocks noGrp="1"/>
           </p:cNvSpPr>
@@ -1895,11 +1895,11 @@
 </file>
 
 <file path=ppt/slideLayouts/slideLayout6.xml><?xml version="1.0" encoding="utf-8"?>
-<p:sldLayout xmlns:a="http://schemas.openxmlformats.org/drawingml/2006/main" xmlns:r="http://schemas.openxmlformats.org/officeDocument/2006/relationships" xmlns:p14="http://schemas.microsoft.com/office/powerpoint/2010/main" xmlns:a14="http://schemas.microsoft.com/office/drawing/2010/main" xmlns:p15="http://schemas.microsoft.com/office/powerpoint/2012/main" xmlns:p159="http://schemas.microsoft.com/office/powerpoint/2015/09/main" xmlns:p="http://schemas.openxmlformats.org/presentationml/2006/main" type="titleOnly" preserve="1">
+<p:sldLayout xmlns:a="http://schemas.openxmlformats.org/drawingml/2006/main" xmlns:r="http://schemas.openxmlformats.org/officeDocument/2006/relationships" xmlns:m="http://schemas.openxmlformats.org/officeDocument/2006/math" xmlns:w="http://schemas.openxmlformats.org/wordprocessingml/2006/main" xmlns:wp="http://schemas.openxmlformats.org/drawingml/2006/wordprocessingDrawing" xmlns:a14="http://schemas.microsoft.com/office/drawing/2010/main" xmlns:mc="http://schemas.openxmlformats.org/markup-compatibility/2006" xmlns:p14="http://schemas.microsoft.com/office/powerpoint/2010/main" xmlns:p15="http://schemas.microsoft.com/office/powerpoint/2012/main" xmlns:p159="http://schemas.microsoft.com/office/powerpoint/2015/09/main" xmlns:p="http://schemas.openxmlformats.org/presentationml/2006/main" type="titleOnly" preserve="1">
   <p:cSld name="Title Only">
     <p:spTree>
       <p:nvGrpSpPr>
-        <p:cNvPr id="1" name=""/>
+        <p:cNvPr id="1" name="" title=""/>
         <p:cNvGrpSpPr/>
         <p:nvPr/>
       </p:nvGrpSpPr>
@@ -1911,7 +1911,7 @@
       </p:grpSpPr>
       <p:sp>
         <p:nvSpPr>
-          <p:cNvPr id="2" name="Title 1"/>
+          <p:cNvPr id="2" name="Title 1" title=""/>
           <p:cNvSpPr>
             <a:spLocks noGrp="1"/>
           </p:cNvSpPr>
@@ -1934,7 +1934,7 @@
       </p:sp>
       <p:sp>
         <p:nvSpPr>
-          <p:cNvPr id="3" name="Date Placeholder 2"/>
+          <p:cNvPr id="3" name="Date Placeholder 2" title=""/>
           <p:cNvSpPr>
             <a:spLocks noGrp="1"/>
           </p:cNvSpPr>
@@ -1947,7 +1947,7 @@
           <a:bodyPr/>
           <a:lstStyle/>
           <a:p>
-            <a:fld id="{074703DC-CE51-4D26-85AB-A990EE593F2D}" type="datetimeFigureOut">
+            <a:fld id="{CABFB0DD-0FBF-4423-84FF-93C2CC5A8F06}" type="datetimeFigureOut">
               <a:rPr lang="en-US" smtClean="0"/>
               <a:t>11/7/2009</a:t>
             </a:fld>
@@ -1957,7 +1957,7 @@
       </p:sp>
       <p:sp>
         <p:nvSpPr>
-          <p:cNvPr id="4" name="Footer Placeholder 3"/>
+          <p:cNvPr id="4" name="Footer Placeholder 3" title=""/>
           <p:cNvSpPr>
             <a:spLocks noGrp="1"/>
           </p:cNvSpPr>
@@ -1976,7 +1976,7 @@
       </p:sp>
       <p:sp>
         <p:nvSpPr>
-          <p:cNvPr id="5" name="Slide Number Placeholder 4"/>
+          <p:cNvPr id="5" name="Slide Number Placeholder 4" title=""/>
           <p:cNvSpPr>
             <a:spLocks noGrp="1"/>
           </p:cNvSpPr>
@@ -2008,11 +2008,11 @@
 </file>
 
 <file path=ppt/slideLayouts/slideLayout7.xml><?xml version="1.0" encoding="utf-8"?>
-<p:sldLayout xmlns:a="http://schemas.openxmlformats.org/drawingml/2006/main" xmlns:r="http://schemas.openxmlformats.org/officeDocument/2006/relationships" xmlns:p14="http://schemas.microsoft.com/office/powerpoint/2010/main" xmlns:a14="http://schemas.microsoft.com/office/drawing/2010/main" xmlns:p15="http://schemas.microsoft.com/office/powerpoint/2012/main" xmlns:p159="http://schemas.microsoft.com/office/powerpoint/2015/09/main" xmlns:p="http://schemas.openxmlformats.org/presentationml/2006/main" type="blank" preserve="1">
+<p:sldLayout xmlns:a="http://schemas.openxmlformats.org/drawingml/2006/main" xmlns:r="http://schemas.openxmlformats.org/officeDocument/2006/relationships" xmlns:m="http://schemas.openxmlformats.org/officeDocument/2006/math" xmlns:w="http://schemas.openxmlformats.org/wordprocessingml/2006/main" xmlns:wp="http://schemas.openxmlformats.org/drawingml/2006/wordprocessingDrawing" xmlns:a14="http://schemas.microsoft.com/office/drawing/2010/main" xmlns:mc="http://schemas.openxmlformats.org/markup-compatibility/2006" xmlns:p14="http://schemas.microsoft.com/office/powerpoint/2010/main" xmlns:p15="http://schemas.microsoft.com/office/powerpoint/2012/main" xmlns:p159="http://schemas.microsoft.com/office/powerpoint/2015/09/main" xmlns:p="http://schemas.openxmlformats.org/presentationml/2006/main" type="blank" preserve="1">
   <p:cSld name="Blank">
     <p:spTree>
       <p:nvGrpSpPr>
-        <p:cNvPr id="1" name=""/>
+        <p:cNvPr id="1" name="" title=""/>
         <p:cNvGrpSpPr/>
         <p:nvPr/>
       </p:nvGrpSpPr>
@@ -2024,7 +2024,7 @@
       </p:grpSpPr>
       <p:sp>
         <p:nvSpPr>
-          <p:cNvPr id="2" name="Date Placeholder 1"/>
+          <p:cNvPr id="2" name="Date Placeholder 1" title=""/>
           <p:cNvSpPr>
             <a:spLocks noGrp="1"/>
           </p:cNvSpPr>
@@ -2037,7 +2037,7 @@
           <a:bodyPr/>
           <a:lstStyle/>
           <a:p>
-            <a:fld id="{A9211153-84EA-4EB2-9C8F-B630832DD48B}" type="datetimeFigureOut">
+            <a:fld id="{E079C4F7-DD9C-4958-B326-E6F92520B8ED}" type="datetimeFigureOut">
               <a:rPr lang="en-US" smtClean="0"/>
               <a:t>11/7/2009</a:t>
             </a:fld>
@@ -2047,7 +2047,7 @@
       </p:sp>
       <p:sp>
         <p:nvSpPr>
-          <p:cNvPr id="3" name="Footer Placeholder 2"/>
+          <p:cNvPr id="3" name="Footer Placeholder 2" title=""/>
           <p:cNvSpPr>
             <a:spLocks noGrp="1"/>
           </p:cNvSpPr>
@@ -2066,7 +2066,7 @@
       </p:sp>
       <p:sp>
         <p:nvSpPr>
-          <p:cNvPr id="4" name="Slide Number Placeholder 3"/>
+          <p:cNvPr id="4" name="Slide Number Placeholder 3" title=""/>
           <p:cNvSpPr>
             <a:spLocks noGrp="1"/>
           </p:cNvSpPr>
@@ -2098,11 +2098,11 @@
 </file>
 
 <file path=ppt/slideLayouts/slideLayout8.xml><?xml version="1.0" encoding="utf-8"?>
-<p:sldLayout xmlns:a="http://schemas.openxmlformats.org/drawingml/2006/main" xmlns:r="http://schemas.openxmlformats.org/officeDocument/2006/relationships" xmlns:p14="http://schemas.microsoft.com/office/powerpoint/2010/main" xmlns:a14="http://schemas.microsoft.com/office/drawing/2010/main" xmlns:p15="http://schemas.microsoft.com/office/powerpoint/2012/main" xmlns:p159="http://schemas.microsoft.com/office/powerpoint/2015/09/main" xmlns:p="http://schemas.openxmlformats.org/presentationml/2006/main" type="objTx" preserve="1">
+<p:sldLayout xmlns:a="http://schemas.openxmlformats.org/drawingml/2006/main" xmlns:r="http://schemas.openxmlformats.org/officeDocument/2006/relationships" xmlns:m="http://schemas.openxmlformats.org/officeDocument/2006/math" xmlns:w="http://schemas.openxmlformats.org/wordprocessingml/2006/main" xmlns:wp="http://schemas.openxmlformats.org/drawingml/2006/wordprocessingDrawing" xmlns:a14="http://schemas.microsoft.com/office/drawing/2010/main" xmlns:mc="http://schemas.openxmlformats.org/markup-compatibility/2006" xmlns:p14="http://schemas.microsoft.com/office/powerpoint/2010/main" xmlns:p15="http://schemas.microsoft.com/office/powerpoint/2012/main" xmlns:p159="http://schemas.microsoft.com/office/powerpoint/2015/09/main" xmlns:p="http://schemas.openxmlformats.org/presentationml/2006/main" type="objTx" preserve="1">
   <p:cSld name="Content with Caption">
     <p:spTree>
       <p:nvGrpSpPr>
-        <p:cNvPr id="1" name=""/>
+        <p:cNvPr id="1" name="" title=""/>
         <p:cNvGrpSpPr/>
         <p:nvPr/>
       </p:nvGrpSpPr>
@@ -2114,7 +2114,7 @@
       </p:grpSpPr>
       <p:sp>
         <p:nvSpPr>
-          <p:cNvPr id="2" name="Title 1"/>
+          <p:cNvPr id="2" name="Title 1" title=""/>
           <p:cNvSpPr>
             <a:spLocks noGrp="1"/>
           </p:cNvSpPr>
@@ -2141,7 +2141,7 @@
       </p:sp>
       <p:sp>
         <p:nvSpPr>
-          <p:cNvPr id="3" name="Content Placeholder 2"/>
+          <p:cNvPr id="3" name="Content Placeholder 2" title=""/>
           <p:cNvSpPr>
             <a:spLocks noGrp="1"/>
           </p:cNvSpPr>
@@ -2220,7 +2220,7 @@
       </p:sp>
       <p:sp>
         <p:nvSpPr>
-          <p:cNvPr id="4" name="Text Placeholder 3"/>
+          <p:cNvPr id="4" name="Text Placeholder 3" title=""/>
           <p:cNvSpPr>
             <a:spLocks noGrp="1"/>
           </p:cNvSpPr>
@@ -2279,7 +2279,7 @@
       </p:sp>
       <p:sp>
         <p:nvSpPr>
-          <p:cNvPr id="5" name="Date Placeholder 4"/>
+          <p:cNvPr id="5" name="Date Placeholder 4" title=""/>
           <p:cNvSpPr>
             <a:spLocks noGrp="1"/>
           </p:cNvSpPr>
@@ -2292,7 +2292,7 @@
           <a:bodyPr/>
           <a:lstStyle/>
           <a:p>
-            <a:fld id="{E583B930-0CC3-4719-8408-1A00B72602F1}" type="datetimeFigureOut">
+            <a:fld id="{56F88680-4816-4140-A8B5-BB4EB1B7BFCC}" type="datetimeFigureOut">
               <a:rPr lang="en-US" smtClean="0"/>
               <a:t>11/7/2009</a:t>
             </a:fld>
@@ -2302,7 +2302,7 @@
       </p:sp>
       <p:sp>
         <p:nvSpPr>
-          <p:cNvPr id="6" name="Footer Placeholder 5"/>
+          <p:cNvPr id="6" name="Footer Placeholder 5" title=""/>
           <p:cNvSpPr>
             <a:spLocks noGrp="1"/>
           </p:cNvSpPr>
@@ -2321,7 +2321,7 @@
       </p:sp>
       <p:sp>
         <p:nvSpPr>
-          <p:cNvPr id="7" name="Slide Number Placeholder 6"/>
+          <p:cNvPr id="7" name="Slide Number Placeholder 6" title=""/>
           <p:cNvSpPr>
             <a:spLocks noGrp="1"/>
           </p:cNvSpPr>
@@ -2353,11 +2353,11 @@
 </file>
 
 <file path=ppt/slideLayouts/slideLayout9.xml><?xml version="1.0" encoding="utf-8"?>
-<p:sldLayout xmlns:a="http://schemas.openxmlformats.org/drawingml/2006/main" xmlns:r="http://schemas.openxmlformats.org/officeDocument/2006/relationships" xmlns:p14="http://schemas.microsoft.com/office/powerpoint/2010/main" xmlns:a14="http://schemas.microsoft.com/office/drawing/2010/main" xmlns:p15="http://schemas.microsoft.com/office/powerpoint/2012/main" xmlns:p159="http://schemas.microsoft.com/office/powerpoint/2015/09/main" xmlns:p="http://schemas.openxmlformats.org/presentationml/2006/main" type="picTx" preserve="1">
+<p:sldLayout xmlns:a="http://schemas.openxmlformats.org/drawingml/2006/main" xmlns:r="http://schemas.openxmlformats.org/officeDocument/2006/relationships" xmlns:m="http://schemas.openxmlformats.org/officeDocument/2006/math" xmlns:w="http://schemas.openxmlformats.org/wordprocessingml/2006/main" xmlns:wp="http://schemas.openxmlformats.org/drawingml/2006/wordprocessingDrawing" xmlns:a14="http://schemas.microsoft.com/office/drawing/2010/main" xmlns:mc="http://schemas.openxmlformats.org/markup-compatibility/2006" xmlns:p14="http://schemas.microsoft.com/office/powerpoint/2010/main" xmlns:p15="http://schemas.microsoft.com/office/powerpoint/2012/main" xmlns:p159="http://schemas.microsoft.com/office/powerpoint/2015/09/main" xmlns:p="http://schemas.openxmlformats.org/presentationml/2006/main" type="picTx" preserve="1">
   <p:cSld name="Picture with Caption">
     <p:spTree>
       <p:nvGrpSpPr>
-        <p:cNvPr id="1" name=""/>
+        <p:cNvPr id="1" name="" title=""/>
         <p:cNvGrpSpPr/>
         <p:nvPr/>
       </p:nvGrpSpPr>
@@ -2369,7 +2369,7 @@
       </p:grpSpPr>
       <p:sp>
         <p:nvSpPr>
-          <p:cNvPr id="2" name="Title 1"/>
+          <p:cNvPr id="2" name="Title 1" title=""/>
           <p:cNvSpPr>
             <a:spLocks noGrp="1"/>
           </p:cNvSpPr>
@@ -2396,7 +2396,7 @@
       </p:sp>
       <p:sp>
         <p:nvSpPr>
-          <p:cNvPr id="3" name="Picture Placeholder 2"/>
+          <p:cNvPr id="3" name="Picture Placeholder 2" title=""/>
           <p:cNvSpPr>
             <a:spLocks noGrp="1"/>
           </p:cNvSpPr>
@@ -2452,7 +2452,7 @@
       </p:sp>
       <p:sp>
         <p:nvSpPr>
-          <p:cNvPr id="4" name="Text Placeholder 3"/>
+          <p:cNvPr id="4" name="Text Placeholder 3" title=""/>
           <p:cNvSpPr>
             <a:spLocks noGrp="1"/>
           </p:cNvSpPr>
@@ -2511,7 +2511,7 @@
       </p:sp>
       <p:sp>
         <p:nvSpPr>
-          <p:cNvPr id="5" name="Date Placeholder 4"/>
+          <p:cNvPr id="5" name="Date Placeholder 4" title=""/>
           <p:cNvSpPr>
             <a:spLocks noGrp="1"/>
           </p:cNvSpPr>
@@ -2524,7 +2524,7 @@
           <a:bodyPr/>
           <a:lstStyle/>
           <a:p>
-            <a:fld id="{2DA68CBF-CEC0-4C49-B2B7-85A845879B0F}" type="datetimeFigureOut">
+            <a:fld id="{2AD0F381-87ED-4C69-9775-1C1EDCE1BC42}" type="datetimeFigureOut">
               <a:rPr lang="en-US" smtClean="0"/>
               <a:t>11/7/2009</a:t>
             </a:fld>
@@ -2534,7 +2534,7 @@
       </p:sp>
       <p:sp>
         <p:nvSpPr>
-          <p:cNvPr id="6" name="Footer Placeholder 5"/>
+          <p:cNvPr id="6" name="Footer Placeholder 5" title=""/>
           <p:cNvSpPr>
             <a:spLocks noGrp="1"/>
           </p:cNvSpPr>
@@ -2553,7 +2553,7 @@
       </p:sp>
       <p:sp>
         <p:nvSpPr>
-          <p:cNvPr id="7" name="Slide Number Placeholder 6"/>
+          <p:cNvPr id="7" name="Slide Number Placeholder 6" title=""/>
           <p:cNvSpPr>
             <a:spLocks noGrp="1"/>
           </p:cNvSpPr>
@@ -2585,7 +2585,7 @@
 </file>
 
 <file path=ppt/slideMasters/slideMaster1.xml><?xml version="1.0" encoding="utf-8"?>
-<p:sldMaster xmlns:a="http://schemas.openxmlformats.org/drawingml/2006/main" xmlns:r="http://schemas.openxmlformats.org/officeDocument/2006/relationships" xmlns:p14="http://schemas.microsoft.com/office/powerpoint/2010/main" xmlns:a14="http://schemas.microsoft.com/office/drawing/2010/main" xmlns:p15="http://schemas.microsoft.com/office/powerpoint/2012/main" xmlns:p159="http://schemas.microsoft.com/office/powerpoint/2015/09/main" xmlns:p="http://schemas.openxmlformats.org/presentationml/2006/main">
+<p:sldMaster xmlns:a="http://schemas.openxmlformats.org/drawingml/2006/main" xmlns:r="http://schemas.openxmlformats.org/officeDocument/2006/relationships" xmlns:m="http://schemas.openxmlformats.org/officeDocument/2006/math" xmlns:w="http://schemas.openxmlformats.org/wordprocessingml/2006/main" xmlns:wp="http://schemas.openxmlformats.org/drawingml/2006/wordprocessingDrawing" xmlns:a14="http://schemas.microsoft.com/office/drawing/2010/main" xmlns:mc="http://schemas.openxmlformats.org/markup-compatibility/2006" xmlns:p14="http://schemas.microsoft.com/office/powerpoint/2010/main" xmlns:p15="http://schemas.microsoft.com/office/powerpoint/2012/main" xmlns:p159="http://schemas.microsoft.com/office/powerpoint/2015/09/main" xmlns:p="http://schemas.openxmlformats.org/presentationml/2006/main">
   <p:cSld>
     <p:bg>
       <p:bgRef idx="1001">
@@ -2594,7 +2594,7 @@
     </p:bg>
     <p:spTree>
       <p:nvGrpSpPr>
-        <p:cNvPr id="1" name=""/>
+        <p:cNvPr id="1" name="" title=""/>
         <p:cNvGrpSpPr/>
         <p:nvPr/>
       </p:nvGrpSpPr>
@@ -2606,7 +2606,7 @@
       </p:grpSpPr>
       <p:sp>
         <p:nvSpPr>
-          <p:cNvPr id="2" name="Title Placeholder 1"/>
+          <p:cNvPr id="2" name="Title Placeholder 1" title=""/>
           <p:cNvSpPr>
             <a:spLocks noGrp="1"/>
           </p:cNvSpPr>
@@ -2639,7 +2639,7 @@
       </p:sp>
       <p:sp>
         <p:nvSpPr>
-          <p:cNvPr id="3" name="Text Placeholder 2"/>
+          <p:cNvPr id="3" name="Text Placeholder 2" title=""/>
           <p:cNvSpPr>
             <a:spLocks noGrp="1"/>
           </p:cNvSpPr>
@@ -2700,7 +2700,7 @@
       </p:sp>
       <p:sp>
         <p:nvSpPr>
-          <p:cNvPr id="4" name="Date Placeholder 3"/>
+          <p:cNvPr id="4" name="Date Placeholder 3" title=""/>
           <p:cNvSpPr>
             <a:spLocks noGrp="1"/>
           </p:cNvSpPr>
@@ -2741,7 +2741,7 @@
       </p:sp>
       <p:sp>
         <p:nvSpPr>
-          <p:cNvPr id="5" name="Footer Placeholder 4"/>
+          <p:cNvPr id="5" name="Footer Placeholder 4" title=""/>
           <p:cNvSpPr>
             <a:spLocks noGrp="1"/>
           </p:cNvSpPr>
@@ -2778,7 +2778,7 @@
       </p:sp>
       <p:sp>
         <p:nvSpPr>
-          <p:cNvPr id="6" name="Slide Number Placeholder 5"/>
+          <p:cNvPr id="6" name="Slide Number Placeholder 5" title=""/>
           <p:cNvSpPr>
             <a:spLocks noGrp="1"/>
           </p:cNvSpPr>
@@ -3089,11 +3089,11 @@
 </file>
 
 <file path=ppt/slides/slide1.xml><?xml version="1.0" encoding="utf-8"?>
-<p:sld xmlns:a="http://schemas.openxmlformats.org/drawingml/2006/main" xmlns:r="http://schemas.openxmlformats.org/officeDocument/2006/relationships" xmlns:p14="http://schemas.microsoft.com/office/powerpoint/2010/main" xmlns:a14="http://schemas.microsoft.com/office/drawing/2010/main" xmlns:p15="http://schemas.microsoft.com/office/powerpoint/2012/main" xmlns:p159="http://schemas.microsoft.com/office/powerpoint/2015/09/main" xmlns:p="http://schemas.openxmlformats.org/presentationml/2006/main">
+<p:sld xmlns:a="http://schemas.openxmlformats.org/drawingml/2006/main" xmlns:r="http://schemas.openxmlformats.org/officeDocument/2006/relationships" xmlns:m="http://schemas.openxmlformats.org/officeDocument/2006/math" xmlns:w="http://schemas.openxmlformats.org/wordprocessingml/2006/main" xmlns:wp="http://schemas.openxmlformats.org/drawingml/2006/wordprocessingDrawing" xmlns:a14="http://schemas.microsoft.com/office/drawing/2010/main" xmlns:mc="http://schemas.openxmlformats.org/markup-compatibility/2006" xmlns:p14="http://schemas.microsoft.com/office/powerpoint/2010/main" xmlns:p15="http://schemas.microsoft.com/office/powerpoint/2012/main" xmlns:p159="http://schemas.microsoft.com/office/powerpoint/2015/09/main" xmlns:p="http://schemas.openxmlformats.org/presentationml/2006/main">
   <p:cSld name="">
     <p:spTree>
       <p:nvGrpSpPr>
-        <p:cNvPr id="1" name=""/>
+        <p:cNvPr id="1" name="" title=""/>
         <p:cNvGrpSpPr/>
         <p:nvPr/>
       </p:nvGrpSpPr>
@@ -3105,7 +3105,7 @@
       </p:grpSpPr>
       <p:graphicFrame>
         <p:nvGraphicFramePr>
-          <p:cNvPr id="2" name="ChartObject"/>
+          <p:cNvPr id="2" name="ChartObject" title=""/>
           <p:cNvGraphicFramePr/>
           <p:nvPr/>
         </p:nvGraphicFramePr>
@@ -3119,6 +3119,77 @@
           </a:graphicData>
         </a:graphic>
       </p:graphicFrame>
+      <p:sp>
+        <p:nvSpPr>
+          <p:cNvPr id="3" name="TextBox"/>
+          <p:cNvSpPr txBox="1">
+            <a:spLocks noGrp="1" noSelect="1" noRot="1" noMove="1"/>
+          </p:cNvSpPr>
+          <p:nvPr/>
+        </p:nvSpPr>
+        <p:spPr>
+          <a:xfrm>
+            <a:off x="1366520" y="2644140"/>
+            <a:ext cx="6411372" cy="1569660"/>
+          </a:xfrm>
+          <a:prstGeom prst="rect">
+            <a:avLst/>
+          </a:prstGeom>
+          <a:noFill/>
+        </p:spPr>
+        <p:txBody>
+          <a:bodyPr wrap="none" rtlCol="0" anchor="ctr" anchorCtr="1">
+            <a:spAutoFit/>
+          </a:bodyPr>
+          <a:lstStyle>
+            <a:lvl1pPr algn="l">
+              <a:lnSpc>
+                <a:spcPct val="150000"/>
+              </a:lnSpc>
+              <a:spcBef>
+                <a:spcPct val="0"/>
+              </a:spcBef>
+              <a:spcAft>
+                <a:spcPct val="0"/>
+              </a:spcAft>
+              <a:defRPr lang="en-US" sz="3200" b="1" noProof="1" dirty="0">
+                <a:solidFill>
+                  <a:prstClr val="red">
+                    <a:lumOff val="30000"/>
+                    <a:alpha val="40000"/>
+                  </a:prstClr>
+                </a:solidFill>
+                <a:effectLst>
+                  <a:outerShdw blurRad="50800" dist="38100" algn="tr" rotWithShape="0">
+                    <a:prstClr val="black">
+                      <a:alpha val="80000"/>
+                    </a:prstClr>
+                  </a:outerShdw>
+                </a:effectLst>
+                <a:latin typeface="Calibri" pitchFamily="34" charset="0"/>
+              </a:defRPr>
+            </a:lvl1pPr>
+          </a:lstStyle>
+          <a:p>
+            <a:pPr algn="ctr"/>
+            <a:r>
+              <a:t>Evaluation only.</a:t>
+            </a:r>
+          </a:p>
+          <a:p>
+            <a:pPr algn="ctr"/>
+            <a:r>
+              <a:t>Created with Aspose.Slides for .NET 4.0 Client Profile 21.12.</a:t>
+            </a:r>
+          </a:p>
+          <a:p>
+            <a:pPr algn="ctr"/>
+            <a:r>
+              <a:t>Copyright 2004-2021Aspose Pty Ltd.</a:t>
+            </a:r>
+          </a:p>
+        </p:txBody>
+      </p:sp>
     </p:spTree>
   </p:cSld>
   <p:clrMapOvr>
@@ -3132,10 +3203,10 @@
 <file path=ppt/tags/tag1.xml><?xml version="1.0" encoding="utf-8"?>
 <p:tagLst xmlns:p="http://schemas.openxmlformats.org/presentationml/2006/main">
   <p:tag name="AS_NET" val="4.0.30319.42000"/>
-  <p:tag name="AS_OS" val="Microsoft Windows NT 6.2.9200.0"/>
-  <p:tag name="AS_RELEASE_DATE" val="2019.06.14"/>
+  <p:tag name="AS_OS" val="Microsoft Windows NT 6.3.9600.0"/>
+  <p:tag name="AS_RELEASE_DATE" val="2021.12.14"/>
   <p:tag name="AS_TITLE" val="Aspose.Slides for .NET 4.0 Client Profile"/>
-  <p:tag name="AS_VERSION" val="19.6"/>
+  <p:tag name="AS_VERSION" val="21.12"/>
 </p:tagLst>
 </file>
 
